--- a/database/slides/COME_HOLY_SPIRIT.pptx
+++ b/database/slides/COME_HOLY_SPIRIT.pptx
@@ -15762,7 +15762,13 @@
       </p:sp>
       <p:sp>
         <p:nvSpPr>
-          <p:cNvPr id="131" name="Google Shape;131;p25"/>
+          <p:cNvPr id="2" name="Google Shape;131;p25">
+            <a:extLst>
+              <a:ext uri="{FF2B5EF4-FFF2-40B4-BE49-F238E27FC236}">
+                <a16:creationId xmlns:a16="http://schemas.microsoft.com/office/drawing/2014/main" id="{63B241E6-E364-5779-3A22-DE39A94F7CD5}"/>
+              </a:ext>
+            </a:extLst>
+          </p:cNvPr>
           <p:cNvSpPr txBox="1"/>
           <p:nvPr/>
         </p:nvSpPr>
@@ -15807,9 +15813,16 @@
                 <a:latin typeface="Calibri"/>
                 <a:ea typeface="Calibri"/>
                 <a:cs typeface="Calibri"/>
+                <a:sym typeface="Calibri"/>
               </a:rPr>
               <a:t>contd..</a:t>
             </a:r>
+            <a:endParaRPr sz="3600" dirty="0">
+              <a:latin typeface="Calibri"/>
+              <a:ea typeface="Calibri"/>
+              <a:cs typeface="Calibri"/>
+              <a:sym typeface="Calibri"/>
+            </a:endParaRPr>
           </a:p>
         </p:txBody>
       </p:sp>
